--- a/translations/nl/advanced/ProportionalControl.pptx
+++ b/translations/nl/advanced/ProportionalControl.pptx
@@ -5,10 +5,10 @@
     <p:sldMasterId id="2147483648" r:id="rId1"/>
   </p:sldMasterIdLst>
   <p:notesMasterIdLst>
-    <p:notesMasterId r:id="rId14"/>
+    <p:notesMasterId r:id="rId12"/>
   </p:notesMasterIdLst>
   <p:handoutMasterIdLst>
-    <p:handoutMasterId r:id="rId15"/>
+    <p:handoutMasterId r:id="rId13"/>
   </p:handoutMasterIdLst>
   <p:sldIdLst>
     <p:sldId id="258" r:id="rId2"/>
@@ -19,10 +19,8 @@
     <p:sldId id="278" r:id="rId7"/>
     <p:sldId id="279" r:id="rId8"/>
     <p:sldId id="280" r:id="rId9"/>
-    <p:sldId id="281" r:id="rId10"/>
-    <p:sldId id="282" r:id="rId11"/>
-    <p:sldId id="284" r:id="rId12"/>
-    <p:sldId id="285" r:id="rId13"/>
+    <p:sldId id="284" r:id="rId10"/>
+    <p:sldId id="285" r:id="rId11"/>
   </p:sldIdLst>
   <p:sldSz cx="9144000" cy="6858000" type="screen4x3"/>
   <p:notesSz cx="6858000" cy="9144000"/>
@@ -223,7 +221,7 @@
             <a:fld id="{E354B44E-40A3-0E46-B16A-9BF1250A248B}" type="datetimeFigureOut">
               <a:rPr lang="en-US" smtClean="0"/>
               <a:pPr/>
-              <a:t>7/18/2015</a:t>
+              <a:t>12/19/15</a:t>
             </a:fld>
             <a:endParaRPr lang="en-US"/>
           </a:p>
@@ -290,7 +288,7 @@
             <a:fld id="{ACDF1604-CF25-2840-A4A3-96CDE3604995}" type="slidenum">
               <a:rPr lang="en-US" smtClean="0"/>
               <a:pPr/>
-              <a:t>‹nr.›</a:t>
+              <a:t>‹#›</a:t>
             </a:fld>
             <a:endParaRPr lang="en-US"/>
           </a:p>
@@ -391,7 +389,7 @@
             <a:fld id="{C86AD16C-2DB4-6642-BAD4-9ED973A087A0}" type="datetimeFigureOut">
               <a:rPr lang="en-US" smtClean="0"/>
               <a:pPr/>
-              <a:t>7/18/2015</a:t>
+              <a:t>12/19/15</a:t>
             </a:fld>
             <a:endParaRPr lang="en-US"/>
           </a:p>
@@ -551,7 +549,7 @@
             <a:fld id="{1E5BF589-3978-3C45-966B-D7B7A71F2A02}" type="slidenum">
               <a:rPr lang="en-US" smtClean="0"/>
               <a:pPr/>
-              <a:t>‹nr.›</a:t>
+              <a:t>‹#›</a:t>
             </a:fld>
             <a:endParaRPr lang="en-US"/>
           </a:p>
@@ -901,7 +899,7 @@
             <a:fld id="{1E5BF589-3978-3C45-966B-D7B7A71F2A02}" type="slidenum">
               <a:rPr lang="en-US" smtClean="0"/>
               <a:pPr/>
-              <a:t>11</a:t>
+              <a:t>9</a:t>
             </a:fld>
             <a:endParaRPr lang="en-US"/>
           </a:p>
@@ -986,7 +984,7 @@
             <a:fld id="{1E5BF589-3978-3C45-966B-D7B7A71F2A02}" type="slidenum">
               <a:rPr lang="en-US" smtClean="0"/>
               <a:pPr/>
-              <a:t>12</a:t>
+              <a:t>10</a:t>
             </a:fld>
             <a:endParaRPr lang="en-US"/>
           </a:p>
@@ -1037,10 +1035,9 @@
           <a:bodyPr/>
           <a:lstStyle/>
           <a:p>
-            <a:fld id="{9129F86A-33B4-D74F-9987-734DF519D0A5}" type="datetime1">
-              <a:rPr lang="en-US" smtClean="0"/>
-              <a:pPr/>
-              <a:t>7/18/2015</a:t>
+            <a:fld id="{ACF429DE-6E24-8B4A-B429-899B16C55717}" type="datetime1">
+              <a:rPr lang="en-US" smtClean="0"/>
+              <a:t>12/19/15</a:t>
             </a:fld>
             <a:endParaRPr lang="en-US"/>
           </a:p>
@@ -1062,8 +1059,8 @@
           <a:lstStyle/>
           <a:p>
             <a:r>
-              <a:rPr lang="en-US" smtClean="0"/>
-              <a:t>© 2015 EV3Lessons.com, Last edit 4/5/2015</a:t>
+              <a:rPr lang="sk-SK" smtClean="0"/>
+              <a:t>© 2015 EV3Lessons.com, Last edit 12/19/2015</a:t>
             </a:r>
             <a:endParaRPr lang="en-US"/>
           </a:p>
@@ -1087,7 +1084,7 @@
             <a:fld id="{7F5CE407-6216-4202-80E4-A30DC2F709B2}" type="slidenum">
               <a:rPr lang="en-US" smtClean="0"/>
               <a:pPr/>
-              <a:t>‹nr.›</a:t>
+              <a:t>‹#›</a:t>
             </a:fld>
             <a:endParaRPr lang="en-US"/>
           </a:p>
@@ -1768,10 +1765,9 @@
           <a:bodyPr/>
           <a:lstStyle/>
           <a:p>
-            <a:fld id="{66F53F03-396B-BC4A-842C-AEAC65EFE737}" type="datetime1">
-              <a:rPr lang="en-US" smtClean="0"/>
-              <a:pPr/>
-              <a:t>7/18/2015</a:t>
+            <a:fld id="{CA15A4DA-0AA9-A643-AEC9-F91BA481C5A8}" type="datetime1">
+              <a:rPr lang="en-US" smtClean="0"/>
+              <a:t>12/19/15</a:t>
             </a:fld>
             <a:endParaRPr lang="en-US"/>
           </a:p>
@@ -1793,8 +1789,8 @@
           <a:lstStyle/>
           <a:p>
             <a:r>
-              <a:rPr lang="en-US" smtClean="0"/>
-              <a:t>© 2015 EV3Lessons.com, Last edit 4/5/2015</a:t>
+              <a:rPr lang="sk-SK" smtClean="0"/>
+              <a:t>© 2015 EV3Lessons.com, Last edit 12/19/2015</a:t>
             </a:r>
             <a:endParaRPr lang="en-US"/>
           </a:p>
@@ -1818,7 +1814,7 @@
             <a:fld id="{7F5CE407-6216-4202-80E4-A30DC2F709B2}" type="slidenum">
               <a:rPr lang="en-US" smtClean="0"/>
               <a:pPr/>
-              <a:t>‹nr.›</a:t>
+              <a:t>‹#›</a:t>
             </a:fld>
             <a:endParaRPr lang="en-US"/>
           </a:p>
@@ -2405,10 +2401,9 @@
           <a:bodyPr/>
           <a:lstStyle/>
           <a:p>
-            <a:fld id="{E1D6C9C7-E20F-9A45-8245-DC3F9D786436}" type="datetime1">
-              <a:rPr lang="en-US" smtClean="0"/>
-              <a:pPr/>
-              <a:t>7/18/2015</a:t>
+            <a:fld id="{26ECE7A3-3231-BD41-B120-44F0DCD41824}" type="datetime1">
+              <a:rPr lang="en-US" smtClean="0"/>
+              <a:t>12/19/15</a:t>
             </a:fld>
             <a:endParaRPr lang="en-US"/>
           </a:p>
@@ -2430,8 +2425,8 @@
           <a:lstStyle/>
           <a:p>
             <a:r>
-              <a:rPr lang="en-US" smtClean="0"/>
-              <a:t>© 2015 EV3Lessons.com, Last edit 4/5/2015</a:t>
+              <a:rPr lang="sk-SK" smtClean="0"/>
+              <a:t>© 2015 EV3Lessons.com, Last edit 12/19/2015</a:t>
             </a:r>
             <a:endParaRPr lang="en-US"/>
           </a:p>
@@ -2455,7 +2450,7 @@
             <a:fld id="{4382A7F7-08BF-4252-8141-63FB96055BBB}" type="slidenum">
               <a:rPr lang="en-US" smtClean="0"/>
               <a:pPr/>
-              <a:t>‹nr.›</a:t>
+              <a:t>‹#›</a:t>
             </a:fld>
             <a:endParaRPr lang="en-US"/>
           </a:p>
@@ -2841,10 +2836,9 @@
           <a:bodyPr/>
           <a:lstStyle/>
           <a:p>
-            <a:fld id="{C39BFD58-8232-C74B-949C-AFC788831596}" type="datetime1">
-              <a:rPr lang="en-US" smtClean="0"/>
-              <a:pPr/>
-              <a:t>7/18/2015</a:t>
+            <a:fld id="{369E1C88-25C8-8F49-9DD0-9C550B32F5C2}" type="datetime1">
+              <a:rPr lang="en-US" smtClean="0"/>
+              <a:t>12/19/15</a:t>
             </a:fld>
             <a:endParaRPr lang="en-US" dirty="0"/>
           </a:p>
@@ -2866,8 +2860,8 @@
           <a:lstStyle/>
           <a:p>
             <a:r>
-              <a:rPr lang="en-US" smtClean="0"/>
-              <a:t>© 2015 EV3Lessons.com, Last edit 4/5/2015</a:t>
+              <a:rPr lang="sk-SK" smtClean="0"/>
+              <a:t>© 2015 EV3Lessons.com, Last edit 12/19/2015</a:t>
             </a:r>
             <a:endParaRPr lang="en-US" dirty="0"/>
           </a:p>
@@ -2891,7 +2885,7 @@
             <a:fld id="{4382A7F7-08BF-4252-8141-63FB96055BBB}" type="slidenum">
               <a:rPr lang="en-US" smtClean="0"/>
               <a:pPr/>
-              <a:t>‹nr.›</a:t>
+              <a:t>‹#›</a:t>
             </a:fld>
             <a:endParaRPr lang="en-US"/>
           </a:p>
@@ -3031,10 +3025,9 @@
           <a:bodyPr/>
           <a:lstStyle/>
           <a:p>
-            <a:fld id="{BDD3EB2E-EC30-C24A-A93C-53FC8EAD0A39}" type="datetime1">
-              <a:rPr lang="en-US" smtClean="0"/>
-              <a:pPr/>
-              <a:t>7/18/2015</a:t>
+            <a:fld id="{08160BDB-6D66-164D-BE43-F82567153BD7}" type="datetime1">
+              <a:rPr lang="en-US" smtClean="0"/>
+              <a:t>12/19/15</a:t>
             </a:fld>
             <a:endParaRPr lang="en-US" dirty="0"/>
           </a:p>
@@ -3056,8 +3049,8 @@
           <a:lstStyle/>
           <a:p>
             <a:r>
-              <a:rPr lang="en-US" smtClean="0"/>
-              <a:t>© 2015 EV3Lessons.com, Last edit 4/5/2015</a:t>
+              <a:rPr lang="sk-SK" smtClean="0"/>
+              <a:t>© 2015 EV3Lessons.com, Last edit 12/19/2015</a:t>
             </a:r>
             <a:endParaRPr lang="en-US" dirty="0"/>
           </a:p>
@@ -3081,7 +3074,7 @@
             <a:fld id="{4382A7F7-08BF-4252-8141-63FB96055BBB}" type="slidenum">
               <a:rPr lang="en-US" smtClean="0"/>
               <a:pPr/>
-              <a:t>‹nr.›</a:t>
+              <a:t>‹#›</a:t>
             </a:fld>
             <a:endParaRPr lang="en-US"/>
           </a:p>
@@ -3861,10 +3854,9 @@
           <a:bodyPr/>
           <a:lstStyle/>
           <a:p>
-            <a:fld id="{453399D2-AD57-8F49-B5F2-A650E7B690D5}" type="datetime1">
-              <a:rPr lang="en-US" smtClean="0"/>
-              <a:pPr/>
-              <a:t>7/18/2015</a:t>
+            <a:fld id="{0C68CA5D-807B-7E4C-A3D6-0167BC1EB42D}" type="datetime1">
+              <a:rPr lang="en-US" smtClean="0"/>
+              <a:t>12/19/15</a:t>
             </a:fld>
             <a:endParaRPr lang="en-US" dirty="0"/>
           </a:p>
@@ -3886,8 +3878,8 @@
           <a:lstStyle/>
           <a:p>
             <a:r>
-              <a:rPr lang="en-US" smtClean="0"/>
-              <a:t>© 2015 EV3Lessons.com, Last edit 4/5/2015</a:t>
+              <a:rPr lang="sk-SK" smtClean="0"/>
+              <a:t>© 2015 EV3Lessons.com, Last edit 12/19/2015</a:t>
             </a:r>
             <a:endParaRPr lang="en-US" dirty="0"/>
           </a:p>
@@ -3911,7 +3903,7 @@
             <a:fld id="{4382A7F7-08BF-4252-8141-63FB96055BBB}" type="slidenum">
               <a:rPr lang="en-US" smtClean="0"/>
               <a:pPr/>
-              <a:t>‹nr.›</a:t>
+              <a:t>‹#›</a:t>
             </a:fld>
             <a:endParaRPr lang="en-US"/>
           </a:p>
@@ -4385,10 +4377,9 @@
           <a:bodyPr/>
           <a:lstStyle/>
           <a:p>
-            <a:fld id="{4BA39F55-C25A-CA4A-BF58-734A11B83A1D}" type="datetime1">
-              <a:rPr lang="en-US" smtClean="0"/>
-              <a:pPr/>
-              <a:t>7/18/2015</a:t>
+            <a:fld id="{C30D8217-5D88-0C40-AC46-D34F7E42D458}" type="datetime1">
+              <a:rPr lang="en-US" smtClean="0"/>
+              <a:t>12/19/15</a:t>
             </a:fld>
             <a:endParaRPr lang="en-US"/>
           </a:p>
@@ -4410,8 +4401,8 @@
           <a:lstStyle/>
           <a:p>
             <a:r>
-              <a:rPr lang="en-US" smtClean="0"/>
-              <a:t>© 2015 EV3Lessons.com, Last edit 4/5/2015</a:t>
+              <a:rPr lang="sk-SK" smtClean="0"/>
+              <a:t>© 2015 EV3Lessons.com, Last edit 12/19/2015</a:t>
             </a:r>
             <a:endParaRPr lang="en-US"/>
           </a:p>
@@ -4435,7 +4426,7 @@
             <a:fld id="{4382A7F7-08BF-4252-8141-63FB96055BBB}" type="slidenum">
               <a:rPr lang="en-US" smtClean="0"/>
               <a:pPr/>
-              <a:t>‹nr.›</a:t>
+              <a:t>‹#›</a:t>
             </a:fld>
             <a:endParaRPr lang="en-US"/>
           </a:p>
@@ -4631,10 +4622,9 @@
           <a:bodyPr/>
           <a:lstStyle/>
           <a:p>
-            <a:fld id="{C1839B01-671B-0644-892A-BD04E675EDCA}" type="datetime1">
-              <a:rPr lang="en-US" smtClean="0"/>
-              <a:pPr/>
-              <a:t>7/18/2015</a:t>
+            <a:fld id="{707F19EF-CBF8-7C4B-BBAC-FCFA4B509ECD}" type="datetime1">
+              <a:rPr lang="en-US" smtClean="0"/>
+              <a:t>12/19/15</a:t>
             </a:fld>
             <a:endParaRPr lang="en-US"/>
           </a:p>
@@ -4656,8 +4646,8 @@
           <a:lstStyle/>
           <a:p>
             <a:r>
-              <a:rPr lang="en-US" smtClean="0"/>
-              <a:t>© 2015 EV3Lessons.com, Last edit 4/5/2015</a:t>
+              <a:rPr lang="sk-SK" smtClean="0"/>
+              <a:t>© 2015 EV3Lessons.com, Last edit 12/19/2015</a:t>
             </a:r>
             <a:endParaRPr lang="en-US"/>
           </a:p>
@@ -4681,7 +4671,7 @@
             <a:fld id="{4382A7F7-08BF-4252-8141-63FB96055BBB}" type="slidenum">
               <a:rPr lang="en-US" smtClean="0"/>
               <a:pPr/>
-              <a:t>‹nr.›</a:t>
+              <a:t>‹#›</a:t>
             </a:fld>
             <a:endParaRPr lang="en-US"/>
           </a:p>
@@ -5169,10 +5159,9 @@
           <a:bodyPr/>
           <a:lstStyle/>
           <a:p>
-            <a:fld id="{C7C7FACC-6D03-1D40-9481-E9F4C479F1B5}" type="datetime1">
-              <a:rPr lang="en-US" smtClean="0"/>
-              <a:pPr/>
-              <a:t>7/18/2015</a:t>
+            <a:fld id="{680E79FE-1E99-C04A-A3C5-1E25E7B55AA7}" type="datetime1">
+              <a:rPr lang="en-US" smtClean="0"/>
+              <a:t>12/19/15</a:t>
             </a:fld>
             <a:endParaRPr lang="en-US"/>
           </a:p>
@@ -5194,8 +5183,8 @@
           <a:lstStyle/>
           <a:p>
             <a:r>
-              <a:rPr lang="en-US" smtClean="0"/>
-              <a:t>© 2015 EV3Lessons.com, Last edit 4/5/2015</a:t>
+              <a:rPr lang="sk-SK" smtClean="0"/>
+              <a:t>© 2015 EV3Lessons.com, Last edit 12/19/2015</a:t>
             </a:r>
             <a:endParaRPr lang="en-US"/>
           </a:p>
@@ -5219,7 +5208,7 @@
             <a:fld id="{4382A7F7-08BF-4252-8141-63FB96055BBB}" type="slidenum">
               <a:rPr lang="en-US" smtClean="0"/>
               <a:pPr/>
-              <a:t>‹nr.›</a:t>
+              <a:t>‹#›</a:t>
             </a:fld>
             <a:endParaRPr lang="en-US"/>
           </a:p>
@@ -5317,10 +5306,9 @@
           <a:bodyPr/>
           <a:lstStyle/>
           <a:p>
-            <a:fld id="{53F9109E-E760-5E46-9443-9A7AA9FDF376}" type="datetime1">
-              <a:rPr lang="en-US" smtClean="0"/>
-              <a:pPr/>
-              <a:t>7/18/2015</a:t>
+            <a:fld id="{9A0FB659-80A9-FE46-B976-EB4469E80FDB}" type="datetime1">
+              <a:rPr lang="en-US" smtClean="0"/>
+              <a:t>12/19/15</a:t>
             </a:fld>
             <a:endParaRPr lang="en-US"/>
           </a:p>
@@ -5342,8 +5330,8 @@
           <a:lstStyle/>
           <a:p>
             <a:r>
-              <a:rPr lang="en-US" smtClean="0"/>
-              <a:t>© 2015 EV3Lessons.com, Last edit 4/5/2015</a:t>
+              <a:rPr lang="sk-SK" smtClean="0"/>
+              <a:t>© 2015 EV3Lessons.com, Last edit 12/19/2015</a:t>
             </a:r>
             <a:endParaRPr lang="en-US"/>
           </a:p>
@@ -5367,7 +5355,7 @@
             <a:fld id="{7F5CE407-6216-4202-80E4-A30DC2F709B2}" type="slidenum">
               <a:rPr lang="en-US" smtClean="0"/>
               <a:pPr/>
-              <a:t>‹nr.›</a:t>
+              <a:t>‹#›</a:t>
             </a:fld>
             <a:endParaRPr lang="en-US"/>
           </a:p>
@@ -6189,10 +6177,9 @@
           <a:bodyPr/>
           <a:lstStyle/>
           <a:p>
-            <a:fld id="{33093313-B8E6-3C47-B639-30F004A4F12F}" type="datetime1">
-              <a:rPr lang="en-US" smtClean="0"/>
-              <a:pPr/>
-              <a:t>7/18/2015</a:t>
+            <a:fld id="{0919A7A9-2331-3848-A7D7-8AE27DA2605A}" type="datetime1">
+              <a:rPr lang="en-US" smtClean="0"/>
+              <a:t>12/19/15</a:t>
             </a:fld>
             <a:endParaRPr lang="en-US"/>
           </a:p>
@@ -6214,8 +6201,8 @@
           <a:lstStyle/>
           <a:p>
             <a:r>
-              <a:rPr lang="en-US" smtClean="0"/>
-              <a:t>© 2015 EV3Lessons.com, Last edit 4/5/2015</a:t>
+              <a:rPr lang="sk-SK" smtClean="0"/>
+              <a:t>© 2015 EV3Lessons.com, Last edit 12/19/2015</a:t>
             </a:r>
             <a:endParaRPr lang="en-US"/>
           </a:p>
@@ -6239,7 +6226,7 @@
             <a:fld id="{162F1D00-BD13-4404-86B0-79703945A0A7}" type="slidenum">
               <a:rPr lang="en-US" smtClean="0"/>
               <a:pPr/>
-              <a:t>‹nr.›</a:t>
+              <a:t>‹#›</a:t>
             </a:fld>
             <a:endParaRPr lang="en-US"/>
           </a:p>
@@ -6325,10 +6312,9 @@
           <a:bodyPr/>
           <a:lstStyle/>
           <a:p>
-            <a:fld id="{4467321F-6946-7D41-A1F3-72B766C76C73}" type="datetime1">
-              <a:rPr lang="en-US" smtClean="0"/>
-              <a:pPr/>
-              <a:t>7/18/2015</a:t>
+            <a:fld id="{F450DB9B-8EFE-4F4D-B0E0-C6ABDE6FBBA7}" type="datetime1">
+              <a:rPr lang="en-US" smtClean="0"/>
+              <a:t>12/19/15</a:t>
             </a:fld>
             <a:endParaRPr lang="en-US" dirty="0"/>
           </a:p>
@@ -6352,7 +6338,7 @@
             <a:fld id="{4382A7F7-08BF-4252-8141-63FB96055BBB}" type="slidenum">
               <a:rPr lang="en-US" smtClean="0"/>
               <a:pPr/>
-              <a:t>‹nr.›</a:t>
+              <a:t>‹#›</a:t>
             </a:fld>
             <a:endParaRPr lang="en-US"/>
           </a:p>
@@ -7199,10 +7185,9 @@
           <a:bodyPr/>
           <a:lstStyle/>
           <a:p>
-            <a:fld id="{56A60E2B-7B03-8A40-B1EC-A58C57D64BCC}" type="datetime1">
-              <a:rPr lang="en-US" smtClean="0"/>
-              <a:pPr/>
-              <a:t>7/18/2015</a:t>
+            <a:fld id="{C3DCC4E4-4E92-E740-9306-69161F6C0236}" type="datetime1">
+              <a:rPr lang="en-US" smtClean="0"/>
+              <a:t>12/19/15</a:t>
             </a:fld>
             <a:endParaRPr lang="en-US"/>
           </a:p>
@@ -7226,7 +7211,7 @@
             <a:fld id="{4382A7F7-08BF-4252-8141-63FB96055BBB}" type="slidenum">
               <a:rPr lang="en-US" smtClean="0"/>
               <a:pPr/>
-              <a:t>‹nr.›</a:t>
+              <a:t>‹#›</a:t>
             </a:fld>
             <a:endParaRPr lang="en-US"/>
           </a:p>
@@ -7837,10 +7822,9 @@
           <a:bodyPr/>
           <a:lstStyle/>
           <a:p>
-            <a:fld id="{634B4CE0-9CA9-5A44-95F5-9A70DEAECA87}" type="datetime1">
-              <a:rPr lang="en-US" smtClean="0"/>
-              <a:pPr/>
-              <a:t>7/18/2015</a:t>
+            <a:fld id="{971D42A7-D41D-A644-9D31-DD8EF77A8E29}" type="datetime1">
+              <a:rPr lang="en-US" smtClean="0"/>
+              <a:t>12/19/15</a:t>
             </a:fld>
             <a:endParaRPr lang="en-US"/>
           </a:p>
@@ -7862,8 +7846,8 @@
           <a:lstStyle/>
           <a:p>
             <a:r>
-              <a:rPr lang="en-US" smtClean="0"/>
-              <a:t>© 2015 EV3Lessons.com, Last edit 4/5/2015</a:t>
+              <a:rPr lang="sk-SK" smtClean="0"/>
+              <a:t>© 2015 EV3Lessons.com, Last edit 12/19/2015</a:t>
             </a:r>
             <a:endParaRPr lang="en-US"/>
           </a:p>
@@ -7887,7 +7871,7 @@
             <a:fld id="{4382A7F7-08BF-4252-8141-63FB96055BBB}" type="slidenum">
               <a:rPr lang="en-US" smtClean="0"/>
               <a:pPr/>
-              <a:t>‹nr.›</a:t>
+              <a:t>‹#›</a:t>
             </a:fld>
             <a:endParaRPr lang="en-US"/>
           </a:p>
@@ -8166,10 +8150,9 @@
           <a:bodyPr/>
           <a:lstStyle/>
           <a:p>
-            <a:fld id="{49C35B06-ADE9-4E42-BC9C-B2870A8EE647}" type="datetime1">
-              <a:rPr lang="en-US" smtClean="0"/>
-              <a:pPr/>
-              <a:t>7/18/2015</a:t>
+            <a:fld id="{A62309CB-9470-624B-B11A-F10FEFD93D10}" type="datetime1">
+              <a:rPr lang="en-US" smtClean="0"/>
+              <a:t>12/19/15</a:t>
             </a:fld>
             <a:endParaRPr lang="en-US"/>
           </a:p>
@@ -8191,8 +8174,8 @@
           <a:lstStyle/>
           <a:p>
             <a:r>
-              <a:rPr lang="en-US" smtClean="0"/>
-              <a:t>© 2015 EV3Lessons.com, Last edit 4/5/2015</a:t>
+              <a:rPr lang="sk-SK" smtClean="0"/>
+              <a:t>© 2015 EV3Lessons.com, Last edit 12/19/2015</a:t>
             </a:r>
             <a:endParaRPr lang="en-US"/>
           </a:p>
@@ -8216,7 +8199,7 @@
             <a:fld id="{4382A7F7-08BF-4252-8141-63FB96055BBB}" type="slidenum">
               <a:rPr lang="en-US" smtClean="0"/>
               <a:pPr/>
-              <a:t>‹nr.›</a:t>
+              <a:t>‹#›</a:t>
             </a:fld>
             <a:endParaRPr lang="en-US"/>
           </a:p>
@@ -8269,10 +8252,9 @@
           <a:bodyPr/>
           <a:lstStyle/>
           <a:p>
-            <a:fld id="{450A3171-6F10-E846-B02E-E9A23F3E8F2A}" type="datetime1">
-              <a:rPr lang="en-US" smtClean="0"/>
-              <a:pPr/>
-              <a:t>7/18/2015</a:t>
+            <a:fld id="{140A81CA-C7FF-194A-9FA4-F1AAB4157E37}" type="datetime1">
+              <a:rPr lang="en-US" smtClean="0"/>
+              <a:t>12/19/15</a:t>
             </a:fld>
             <a:endParaRPr lang="en-US"/>
           </a:p>
@@ -8294,8 +8276,8 @@
           <a:lstStyle/>
           <a:p>
             <a:r>
-              <a:rPr lang="en-US" smtClean="0"/>
-              <a:t>© 2015 EV3Lessons.com, Last edit 4/5/2015</a:t>
+              <a:rPr lang="sk-SK" smtClean="0"/>
+              <a:t>© 2015 EV3Lessons.com, Last edit 12/19/2015</a:t>
             </a:r>
             <a:endParaRPr lang="en-US"/>
           </a:p>
@@ -8319,7 +8301,7 @@
             <a:fld id="{4382A7F7-08BF-4252-8141-63FB96055BBB}" type="slidenum">
               <a:rPr lang="en-US" smtClean="0"/>
               <a:pPr/>
-              <a:t>‹nr.›</a:t>
+              <a:t>‹#›</a:t>
             </a:fld>
             <a:endParaRPr lang="en-US"/>
           </a:p>
@@ -8610,10 +8592,9 @@
             </a:lvl1pPr>
           </a:lstStyle>
           <a:p>
-            <a:fld id="{F5ADC727-B571-2842-9276-CCAAE2336D61}" type="datetime1">
-              <a:rPr lang="en-US" smtClean="0"/>
-              <a:pPr/>
-              <a:t>7/18/2015</a:t>
+            <a:fld id="{8F9033FC-A3ED-8B4A-86BE-6CE9A1F6760E}" type="datetime1">
+              <a:rPr lang="en-US" smtClean="0"/>
+              <a:t>12/19/15</a:t>
             </a:fld>
             <a:endParaRPr lang="en-US" dirty="0"/>
           </a:p>
@@ -8653,8 +8634,8 @@
           </a:lstStyle>
           <a:p>
             <a:r>
-              <a:rPr lang="en-US" smtClean="0"/>
-              <a:t>© 2015 EV3Lessons.com, Last edit 4/5/2015</a:t>
+              <a:rPr lang="sk-SK" smtClean="0"/>
+              <a:t>© 2015 EV3Lessons.com, Last edit 12/19/2015</a:t>
             </a:r>
             <a:endParaRPr lang="en-US" dirty="0"/>
           </a:p>
@@ -8697,7 +8678,7 @@
             <a:fld id="{4382A7F7-08BF-4252-8141-63FB96055BBB}" type="slidenum">
               <a:rPr lang="en-US" smtClean="0"/>
               <a:pPr/>
-              <a:t>‹nr.›</a:t>
+              <a:t>‹#›</a:t>
             </a:fld>
             <a:endParaRPr lang="en-US"/>
           </a:p>
@@ -9175,7 +9156,7 @@
         </p:spPr>
         <p:txBody>
           <a:bodyPr>
-            <a:normAutofit fontScale="70000" lnSpcReduction="20000"/>
+            <a:normAutofit/>
           </a:bodyPr>
           <a:lstStyle/>
           <a:p>
@@ -9212,29 +9193,6 @@
               <a:t>Robotics</a:t>
             </a:r>
             <a:endParaRPr lang="nl-NL" dirty="0" smtClean="0">
-              <a:solidFill>
-                <a:schemeClr val="tx1"/>
-              </a:solidFill>
-            </a:endParaRPr>
-          </a:p>
-          <a:p>
-            <a:r>
-              <a:rPr lang="nl-NL" dirty="0" smtClean="0">
-                <a:solidFill>
-                  <a:schemeClr val="tx1"/>
-                </a:solidFill>
-              </a:rPr>
-              <a:t>Code bijgedragen door The Construction </a:t>
-            </a:r>
-            <a:r>
-              <a:rPr lang="nl-NL" dirty="0" err="1" smtClean="0">
-                <a:solidFill>
-                  <a:schemeClr val="tx1"/>
-                </a:solidFill>
-              </a:rPr>
-              <a:t>Mavericks</a:t>
-            </a:r>
-            <a:endParaRPr lang="nl-NL" dirty="0">
               <a:solidFill>
                 <a:schemeClr val="tx1"/>
               </a:solidFill>
@@ -9308,15 +9266,7 @@
                   <a:schemeClr val="bg1"/>
                 </a:solidFill>
               </a:rPr>
-              <a:t>GEAVANCEERDE EV3 </a:t>
-            </a:r>
-            <a:r>
-              <a:rPr lang="en-US" sz="4800" dirty="0" smtClean="0">
-                <a:solidFill>
-                  <a:schemeClr val="bg1"/>
-                </a:solidFill>
-              </a:rPr>
-              <a:t>PROGRAMEER-LESSEN</a:t>
+              <a:t>GEAVANCEERDE EV3 PROGRAMEER-LESSEN</a:t>
             </a:r>
             <a:endParaRPr lang="en-US" sz="4800" dirty="0">
               <a:solidFill>
@@ -9342,8 +9292,8 @@
           <a:lstStyle/>
           <a:p>
             <a:r>
-              <a:rPr lang="en-US" smtClean="0"/>
-              <a:t>© 2015 EV3Lessons.com, Last edit 4/5/2015</a:t>
+              <a:rPr lang="sk-SK" smtClean="0"/>
+              <a:t>© 2015 EV3Lessons.com, Last edit 12/19/2015</a:t>
             </a:r>
             <a:endParaRPr lang="en-US"/>
           </a:p>
@@ -9465,392 +9415,6 @@
           <a:noFill/>
         </p:spPr>
         <p:txBody>
-          <a:bodyPr>
-            <a:normAutofit/>
-          </a:bodyPr>
-          <a:lstStyle/>
-          <a:p>
-            <a:r>
-              <a:rPr lang="en-US" dirty="0" err="1" smtClean="0"/>
-              <a:t>Oplossing</a:t>
-            </a:r>
-            <a:r>
-              <a:rPr lang="en-US" dirty="0" smtClean="0"/>
-              <a:t>: </a:t>
-            </a:r>
-            <a:r>
-              <a:rPr lang="en-US" dirty="0" err="1" smtClean="0"/>
-              <a:t>Rechter</a:t>
-            </a:r>
-            <a:r>
-              <a:rPr lang="en-US" dirty="0" smtClean="0"/>
-              <a:t> Gyr0-Bocht </a:t>
-            </a:r>
-            <a:endParaRPr lang="en-US" dirty="0"/>
-          </a:p>
-        </p:txBody>
-      </p:sp>
-      <p:sp>
-        <p:nvSpPr>
-          <p:cNvPr id="4" name="Footer Placeholder 3"/>
-          <p:cNvSpPr>
-            <a:spLocks noGrp="1"/>
-          </p:cNvSpPr>
-          <p:nvPr>
-            <p:ph type="ftr" sz="quarter" idx="11"/>
-          </p:nvPr>
-        </p:nvSpPr>
-        <p:spPr/>
-        <p:txBody>
-          <a:bodyPr/>
-          <a:lstStyle/>
-          <a:p>
-            <a:r>
-              <a:rPr lang="en-US" smtClean="0"/>
-              <a:t>© 2015 EV3Lessons.com, Last edit 4/5/2015</a:t>
-            </a:r>
-            <a:endParaRPr lang="en-US"/>
-          </a:p>
-        </p:txBody>
-      </p:sp>
-      <p:sp>
-        <p:nvSpPr>
-          <p:cNvPr id="3" name="Slide Number Placeholder 2"/>
-          <p:cNvSpPr>
-            <a:spLocks noGrp="1"/>
-          </p:cNvSpPr>
-          <p:nvPr>
-            <p:ph type="sldNum" sz="quarter" idx="12"/>
-          </p:nvPr>
-        </p:nvSpPr>
-        <p:spPr/>
-        <p:txBody>
-          <a:bodyPr/>
-          <a:lstStyle/>
-          <a:p>
-            <a:fld id="{4382A7F7-08BF-4252-8141-63FB96055BBB}" type="slidenum">
-              <a:rPr lang="en-US" smtClean="0"/>
-              <a:pPr/>
-              <a:t>10</a:t>
-            </a:fld>
-            <a:endParaRPr lang="en-US"/>
-          </a:p>
-        </p:txBody>
-      </p:sp>
-      <p:pic>
-        <p:nvPicPr>
-          <p:cNvPr id="10" name="Content Placeholder 9" descr="Screen Shot 2015-07-17 at 21.47.55.png"/>
-          <p:cNvPicPr>
-            <a:picLocks noGrp="1" noChangeAspect="1"/>
-          </p:cNvPicPr>
-          <p:nvPr>
-            <p:ph idx="1"/>
-          </p:nvPr>
-        </p:nvPicPr>
-        <p:blipFill>
-          <a:blip r:embed="rId2"/>
-          <a:stretch>
-            <a:fillRect/>
-          </a:stretch>
-        </p:blipFill>
-        <p:spPr>
-          <a:xfrm>
-            <a:off x="1156329" y="1791168"/>
-            <a:ext cx="6928493" cy="4694305"/>
-          </a:xfrm>
-        </p:spPr>
-      </p:pic>
-    </p:spTree>
-    <p:extLst>
-      <p:ext uri="{BB962C8B-B14F-4D97-AF65-F5344CB8AC3E}">
-        <p14:creationId xmlns:p14="http://schemas.microsoft.com/office/powerpoint/2010/main" val="3750282875"/>
-      </p:ext>
-    </p:extLst>
-  </p:cSld>
-  <p:clrMapOvr>
-    <a:masterClrMapping/>
-  </p:clrMapOvr>
-  <p:timing>
-    <p:tnLst>
-      <p:par>
-        <p:cTn id="1" dur="indefinite" restart="never" nodeType="tmRoot"/>
-      </p:par>
-    </p:tnLst>
-  </p:timing>
-</p:sld>
-</file>
-
-<file path=ppt/slides/slide11.xml><?xml version="1.0" encoding="utf-8"?>
-<p:sld xmlns:a="http://schemas.openxmlformats.org/drawingml/2006/main" xmlns:r="http://schemas.openxmlformats.org/officeDocument/2006/relationships" xmlns:p="http://schemas.openxmlformats.org/presentationml/2006/main">
-  <p:cSld>
-    <p:spTree>
-      <p:nvGrpSpPr>
-        <p:cNvPr id="1" name=""/>
-        <p:cNvGrpSpPr/>
-        <p:nvPr/>
-      </p:nvGrpSpPr>
-      <p:grpSpPr>
-        <a:xfrm>
-          <a:off x="0" y="0"/>
-          <a:ext cx="0" cy="0"/>
-          <a:chOff x="0" y="0"/>
-          <a:chExt cx="0" cy="0"/>
-        </a:xfrm>
-      </p:grpSpPr>
-      <p:sp>
-        <p:nvSpPr>
-          <p:cNvPr id="2" name="Title 1"/>
-          <p:cNvSpPr>
-            <a:spLocks noGrp="1"/>
-          </p:cNvSpPr>
-          <p:nvPr>
-            <p:ph type="title"/>
-          </p:nvPr>
-        </p:nvSpPr>
-        <p:spPr/>
-        <p:txBody>
-          <a:bodyPr/>
-          <a:lstStyle/>
-          <a:p>
-            <a:r>
-              <a:rPr lang="en-US" dirty="0" err="1" smtClean="0"/>
-              <a:t>Discussiepunten</a:t>
-            </a:r>
-            <a:endParaRPr lang="en-US" dirty="0"/>
-          </a:p>
-        </p:txBody>
-      </p:sp>
-      <p:sp>
-        <p:nvSpPr>
-          <p:cNvPr id="3" name="Content Placeholder 2"/>
-          <p:cNvSpPr>
-            <a:spLocks noGrp="1"/>
-          </p:cNvSpPr>
-          <p:nvPr>
-            <p:ph idx="1"/>
-          </p:nvPr>
-        </p:nvSpPr>
-        <p:spPr>
-          <a:xfrm>
-            <a:off x="508001" y="2133600"/>
-            <a:ext cx="8350250" cy="3992563"/>
-          </a:xfrm>
-        </p:spPr>
-        <p:txBody>
-          <a:bodyPr/>
-          <a:lstStyle/>
-          <a:p>
-            <a:pPr marL="457200" indent="-457200">
-              <a:buFont typeface="+mj-lt"/>
-              <a:buAutoNum type="arabicPeriod"/>
-            </a:pPr>
-            <a:r>
-              <a:rPr lang="nl-NL" dirty="0" smtClean="0">
-                <a:solidFill>
-                  <a:srgbClr val="FF0000"/>
-                </a:solidFill>
-              </a:rPr>
-              <a:t>Wat betekent “proportionele besturing” ?</a:t>
-            </a:r>
-            <a:br>
-              <a:rPr lang="nl-NL" dirty="0" smtClean="0">
-                <a:solidFill>
-                  <a:srgbClr val="FF0000"/>
-                </a:solidFill>
-              </a:rPr>
-            </a:br>
-            <a:r>
-              <a:rPr lang="nl-NL" dirty="0" err="1" smtClean="0">
-                <a:solidFill>
-                  <a:srgbClr val="0000FF"/>
-                </a:solidFill>
-              </a:rPr>
-              <a:t>Antw</a:t>
-            </a:r>
-            <a:r>
-              <a:rPr lang="nl-NL" dirty="0" smtClean="0">
-                <a:solidFill>
-                  <a:srgbClr val="0000FF"/>
-                </a:solidFill>
-              </a:rPr>
-              <a:t>: </a:t>
-            </a:r>
-            <a:r>
-              <a:rPr lang="nl-NL" dirty="0" smtClean="0"/>
-              <a:t>Meer of minder bewegen op basis van hoever de robot vanaf een bepaald punt verwijderd is</a:t>
-            </a:r>
-          </a:p>
-          <a:p>
-            <a:pPr marL="457200" indent="-457200">
-              <a:buFont typeface="+mj-lt"/>
-              <a:buAutoNum type="arabicPeriod"/>
-            </a:pPr>
-            <a:r>
-              <a:rPr lang="nl-NL" dirty="0" smtClean="0">
-                <a:solidFill>
-                  <a:srgbClr val="FF0000"/>
-                </a:solidFill>
-              </a:rPr>
-              <a:t>Wat </a:t>
-            </a:r>
-            <a:r>
-              <a:rPr lang="nl-NL" dirty="0" smtClean="0">
-                <a:solidFill>
-                  <a:srgbClr val="FF0000"/>
-                </a:solidFill>
-              </a:rPr>
-              <a:t>is een overeenkomst bij alle proportionele-besturings-code?</a:t>
-            </a:r>
-            <a:r>
-              <a:rPr lang="nl-NL" dirty="0" smtClean="0">
-                <a:solidFill>
-                  <a:srgbClr val="FF0000"/>
-                </a:solidFill>
-              </a:rPr>
-              <a:t/>
-            </a:r>
-            <a:br>
-              <a:rPr lang="nl-NL" dirty="0" smtClean="0">
-                <a:solidFill>
-                  <a:srgbClr val="FF0000"/>
-                </a:solidFill>
-              </a:rPr>
-            </a:br>
-            <a:r>
-              <a:rPr lang="nl-NL" dirty="0" err="1" smtClean="0">
-                <a:solidFill>
-                  <a:srgbClr val="0000FF"/>
-                </a:solidFill>
-              </a:rPr>
-              <a:t>Antw</a:t>
-            </a:r>
-            <a:r>
-              <a:rPr lang="nl-NL" dirty="0" smtClean="0">
-                <a:solidFill>
-                  <a:srgbClr val="0000FF"/>
-                </a:solidFill>
-              </a:rPr>
-              <a:t>: </a:t>
-            </a:r>
-            <a:r>
-              <a:rPr lang="nl-NL" dirty="0" smtClean="0"/>
-              <a:t>Het berekenen van de fout and en de verbetering daarvan</a:t>
-            </a:r>
-          </a:p>
-          <a:p>
-            <a:pPr marL="457200" indent="-457200">
-              <a:buFont typeface="+mj-lt"/>
-              <a:buAutoNum type="arabicPeriod"/>
-            </a:pPr>
-            <a:endParaRPr lang="nl-NL" dirty="0" smtClean="0">
-              <a:solidFill>
-                <a:srgbClr val="0000FF"/>
-              </a:solidFill>
-            </a:endParaRPr>
-          </a:p>
-          <a:p>
-            <a:endParaRPr lang="nl-NL" dirty="0"/>
-          </a:p>
-        </p:txBody>
-      </p:sp>
-      <p:sp>
-        <p:nvSpPr>
-          <p:cNvPr id="4" name="Footer Placeholder 3"/>
-          <p:cNvSpPr>
-            <a:spLocks noGrp="1"/>
-          </p:cNvSpPr>
-          <p:nvPr>
-            <p:ph type="ftr" sz="quarter" idx="11"/>
-          </p:nvPr>
-        </p:nvSpPr>
-        <p:spPr/>
-        <p:txBody>
-          <a:bodyPr/>
-          <a:lstStyle/>
-          <a:p>
-            <a:r>
-              <a:rPr lang="en-US" smtClean="0"/>
-              <a:t>© 2015 EV3Lessons.com, Last edit 4/5/2015</a:t>
-            </a:r>
-            <a:endParaRPr lang="en-US"/>
-          </a:p>
-        </p:txBody>
-      </p:sp>
-      <p:sp>
-        <p:nvSpPr>
-          <p:cNvPr id="5" name="Slide Number Placeholder 4"/>
-          <p:cNvSpPr>
-            <a:spLocks noGrp="1"/>
-          </p:cNvSpPr>
-          <p:nvPr>
-            <p:ph type="sldNum" sz="quarter" idx="12"/>
-          </p:nvPr>
-        </p:nvSpPr>
-        <p:spPr/>
-        <p:txBody>
-          <a:bodyPr/>
-          <a:lstStyle/>
-          <a:p>
-            <a:fld id="{4382A7F7-08BF-4252-8141-63FB96055BBB}" type="slidenum">
-              <a:rPr lang="en-US" smtClean="0"/>
-              <a:pPr/>
-              <a:t>11</a:t>
-            </a:fld>
-            <a:endParaRPr lang="en-US"/>
-          </a:p>
-        </p:txBody>
-      </p:sp>
-    </p:spTree>
-    <p:extLst>
-      <p:ext uri="{BB962C8B-B14F-4D97-AF65-F5344CB8AC3E}">
-        <p14:creationId xmlns:p14="http://schemas.microsoft.com/office/powerpoint/2010/main" val="1547944288"/>
-      </p:ext>
-    </p:extLst>
-  </p:cSld>
-  <p:clrMapOvr>
-    <a:masterClrMapping/>
-  </p:clrMapOvr>
-  <p:timing>
-    <p:tnLst>
-      <p:par>
-        <p:cTn id="1" dur="indefinite" restart="never" nodeType="tmRoot"/>
-      </p:par>
-    </p:tnLst>
-  </p:timing>
-</p:sld>
-</file>
-
-<file path=ppt/slides/slide12.xml><?xml version="1.0" encoding="utf-8"?>
-<p:sld xmlns:a="http://schemas.openxmlformats.org/drawingml/2006/main" xmlns:r="http://schemas.openxmlformats.org/officeDocument/2006/relationships" xmlns:p="http://schemas.openxmlformats.org/presentationml/2006/main">
-  <p:cSld>
-    <p:spTree>
-      <p:nvGrpSpPr>
-        <p:cNvPr id="1" name=""/>
-        <p:cNvGrpSpPr/>
-        <p:nvPr/>
-      </p:nvGrpSpPr>
-      <p:grpSpPr>
-        <a:xfrm>
-          <a:off x="0" y="0"/>
-          <a:ext cx="0" cy="0"/>
-          <a:chOff x="0" y="0"/>
-          <a:chExt cx="0" cy="0"/>
-        </a:xfrm>
-      </p:grpSpPr>
-      <p:sp>
-        <p:nvSpPr>
-          <p:cNvPr id="2" name="Title 1"/>
-          <p:cNvSpPr>
-            <a:spLocks noGrp="1"/>
-          </p:cNvSpPr>
-          <p:nvPr>
-            <p:ph type="title"/>
-          </p:nvPr>
-        </p:nvSpPr>
-        <p:spPr>
-          <a:noFill/>
-        </p:spPr>
-        <p:txBody>
           <a:bodyPr/>
           <a:lstStyle/>
           <a:p>
@@ -9974,41 +9538,13 @@
             </a:pPr>
             <a:r>
               <a:rPr lang="nl-NL" dirty="0" smtClean="0"/>
-              <a:t>Originele “</a:t>
-            </a:r>
-            <a:r>
-              <a:rPr lang="nl-NL" dirty="0" err="1" smtClean="0"/>
-              <a:t>Gyro</a:t>
-            </a:r>
-            <a:r>
-              <a:rPr lang="nl-NL" dirty="0" smtClean="0"/>
-              <a:t> Turn Code” (</a:t>
-            </a:r>
-            <a:r>
-              <a:rPr lang="nl-NL" dirty="0" err="1" smtClean="0"/>
-              <a:t>Gyro-Bocht-Code</a:t>
-            </a:r>
-            <a:r>
-              <a:rPr lang="nl-NL" dirty="0" smtClean="0"/>
-              <a:t>) geleverd door de Construction </a:t>
-            </a:r>
-            <a:r>
-              <a:rPr lang="nl-NL" dirty="0" err="1" smtClean="0"/>
-              <a:t>Mavericks</a:t>
-            </a:r>
-            <a:r>
-              <a:rPr lang="nl-NL" dirty="0" smtClean="0"/>
-              <a:t> (</a:t>
-            </a:r>
-            <a:r>
-              <a:rPr lang="nl-NL" sz="2400" dirty="0" smtClean="0">
+              <a:t>Meer Lessen bij </a:t>
+            </a:r>
+            <a:r>
+              <a:rPr lang="nl-NL" dirty="0" smtClean="0">
                 <a:hlinkClick r:id="rId4"/>
               </a:rPr>
-              <a:t>frank.levine@gmail.com</a:t>
-            </a:r>
-            <a:r>
-              <a:rPr lang="nl-NL" sz="2400" dirty="0" smtClean="0"/>
-              <a:t>)</a:t>
+              <a:t>www.ev3lessons.com</a:t>
             </a:r>
             <a:endParaRPr lang="nl-NL" dirty="0" smtClean="0"/>
           </a:p>
@@ -10025,54 +9561,31 @@
             </a:pPr>
             <a:r>
               <a:rPr lang="nl-NL" dirty="0" smtClean="0"/>
-              <a:t>Meer Lessen bij </a:t>
-            </a:r>
-            <a:r>
-              <a:rPr lang="nl-NL" dirty="0" smtClean="0">
+              <a:t>Vertaald door </a:t>
+            </a:r>
+            <a:r>
+              <a:rPr lang="nl-NL" dirty="0" err="1" smtClean="0"/>
+              <a:t>Maerlant</a:t>
+            </a:r>
+            <a:r>
+              <a:rPr lang="nl-NL" dirty="0" smtClean="0"/>
+              <a:t> Robotica (</a:t>
+            </a:r>
+            <a:r>
+              <a:rPr lang="nl-NL" u="sng" dirty="0" err="1" smtClean="0">
+                <a:solidFill>
+                  <a:srgbClr val="800000"/>
+                </a:solidFill>
                 <a:hlinkClick r:id="rId5"/>
               </a:rPr>
-              <a:t>www.ev3lessons.com</a:t>
-            </a:r>
-            <a:endParaRPr lang="nl-NL" dirty="0" smtClean="0"/>
-          </a:p>
-          <a:p>
-            <a:pPr marL="454025" lvl="1" indent="-454025">
-              <a:spcBef>
-                <a:spcPts val="2000"/>
-              </a:spcBef>
-              <a:buClr>
-                <a:schemeClr val="bg1">
-                  <a:lumMod val="65000"/>
-                </a:schemeClr>
-              </a:buClr>
-            </a:pPr>
-            <a:r>
-              <a:rPr lang="nl-NL" dirty="0" smtClean="0"/>
-              <a:t>Vertaald door </a:t>
-            </a:r>
-            <a:r>
-              <a:rPr lang="nl-NL" dirty="0" err="1" smtClean="0"/>
-              <a:t>Maerlant</a:t>
-            </a:r>
-            <a:r>
-              <a:rPr lang="nl-NL" dirty="0" smtClean="0"/>
-              <a:t> Robotica (</a:t>
-            </a:r>
-            <a:r>
-              <a:rPr lang="nl-NL" u="sng" dirty="0" err="1" smtClean="0">
+              <a:t>maerlant-robotica.nl</a:t>
+            </a:r>
+            <a:r>
+              <a:rPr lang="nl-NL" u="sng" dirty="0" smtClean="0">
                 <a:solidFill>
                   <a:srgbClr val="800000"/>
                 </a:solidFill>
-                <a:hlinkClick r:id="rId6"/>
-              </a:rPr>
-              <a:t>maerlant-robotica.nl</a:t>
-            </a:r>
-            <a:r>
-              <a:rPr lang="nl-NL" u="sng" dirty="0" smtClean="0">
-                <a:solidFill>
-                  <a:srgbClr val="800000"/>
-                </a:solidFill>
-                <a:hlinkClick r:id="rId6"/>
+                <a:hlinkClick r:id="rId5"/>
               </a:rPr>
               <a:t>/</a:t>
             </a:r>
@@ -10100,11 +9613,9 @@
           <a:lstStyle/>
           <a:p>
             <a:r>
-              <a:rPr lang="en-US" dirty="0" smtClean="0"/>
-              <a:t>© 2015 EV3Lessons.com, Last edit 4/9/2015 (Translated)</a:t>
-            </a:r>
-          </a:p>
-          <a:p>
+              <a:rPr lang="sk-SK" smtClean="0"/>
+              <a:t>© 2015 EV3Lessons.com, Last edit 12/19/2015</a:t>
+            </a:r>
             <a:endParaRPr lang="en-US" dirty="0"/>
           </a:p>
         </p:txBody>
@@ -10365,7 +9876,7 @@
                 </a:solidFill>
                 <a:effectLst/>
                 <a:latin typeface="Helvetica Neue"/>
-                <a:hlinkClick r:id="rId7"/>
+                <a:hlinkClick r:id="rId6"/>
               </a:rPr>
               <a:t>Creative Commons Attribution-</a:t>
             </a:r>
@@ -10379,7 +9890,7 @@
                 </a:solidFill>
                 <a:effectLst/>
                 <a:latin typeface="Helvetica Neue"/>
-                <a:hlinkClick r:id="rId7"/>
+                <a:hlinkClick r:id="rId6"/>
               </a:rPr>
               <a:t>NonCommercial</a:t>
             </a:r>
@@ -10393,7 +9904,7 @@
                 </a:solidFill>
                 <a:effectLst/>
                 <a:latin typeface="Helvetica Neue"/>
-                <a:hlinkClick r:id="rId7"/>
+                <a:hlinkClick r:id="rId6"/>
               </a:rPr>
               <a:t>-</a:t>
             </a:r>
@@ -10407,7 +9918,7 @@
                 </a:solidFill>
                 <a:effectLst/>
                 <a:latin typeface="Helvetica Neue"/>
-                <a:hlinkClick r:id="rId7"/>
+                <a:hlinkClick r:id="rId6"/>
               </a:rPr>
               <a:t>ShareAlike</a:t>
             </a:r>
@@ -10421,7 +9932,7 @@
                 </a:solidFill>
                 <a:effectLst/>
                 <a:latin typeface="Helvetica Neue"/>
-                <a:hlinkClick r:id="rId7"/>
+                <a:hlinkClick r:id="rId6"/>
               </a:rPr>
               <a:t> 4.0 International License</a:t>
             </a:r>
@@ -10466,7 +9977,7 @@
       <p:pic>
         <p:nvPicPr>
           <p:cNvPr id="6" name="Picture 2" descr="Creative Commons License">
-            <a:hlinkClick r:id="rId7"/>
+            <a:hlinkClick r:id="rId6"/>
           </p:cNvPr>
           <p:cNvPicPr>
             <a:picLocks noChangeAspect="1" noChangeArrowheads="1"/>
@@ -10474,7 +9985,7 @@
           <p:nvPr/>
         </p:nvPicPr>
         <p:blipFill>
-          <a:blip r:embed="rId8">
+          <a:blip r:embed="rId7">
             <a:extLst>
               <a:ext uri="{28A0092B-C50C-407E-A947-70E740481C1C}">
                 <a14:useLocalDpi xmlns:a14="http://schemas.microsoft.com/office/drawing/2010/main" val="0"/>
@@ -10524,7 +10035,7 @@
             <a:fld id="{4382A7F7-08BF-4252-8141-63FB96055BBB}" type="slidenum">
               <a:rPr lang="en-US" smtClean="0"/>
               <a:pPr/>
-              <a:t>12</a:t>
+              <a:t>10</a:t>
             </a:fld>
             <a:endParaRPr lang="en-US"/>
           </a:p>
@@ -10854,14 +10365,6 @@
               <a:t> de </a:t>
             </a:r>
             <a:r>
-              <a:rPr lang="en-US" b="0" dirty="0" smtClean="0">
-                <a:solidFill>
-                  <a:srgbClr val="000000"/>
-                </a:solidFill>
-              </a:rPr>
-              <a:t>Gyro-, </a:t>
-            </a:r>
-            <a:r>
               <a:rPr lang="en-US" dirty="0" err="1" smtClean="0">
                 <a:solidFill>
                   <a:srgbClr val="000000"/>
@@ -10936,15 +10439,7 @@
                   <a:srgbClr val="000000"/>
                 </a:solidFill>
               </a:rPr>
-              <a:t>Voorkennis: </a:t>
-            </a:r>
-            <a:r>
-              <a:rPr lang="nl-NL" dirty="0" smtClean="0">
-                <a:solidFill>
-                  <a:srgbClr val="000000"/>
-                </a:solidFill>
-              </a:rPr>
-              <a:t>Lessen gedaan over Rekenblokken, Kleursensor-kalibratie en </a:t>
+              <a:t>Voorkennis: Lessen gedaan over Rekenblokken, Kleursensor-kalibratie en </a:t>
             </a:r>
             <a:r>
               <a:rPr lang="nl-NL" dirty="0" err="1" smtClean="0">
@@ -10978,8 +10473,8 @@
           <a:lstStyle/>
           <a:p>
             <a:r>
-              <a:rPr lang="en-US" smtClean="0"/>
-              <a:t>© 2015 EV3Lessons.com, Last edit 4/5/2015</a:t>
+              <a:rPr lang="sk-SK" smtClean="0"/>
+              <a:t>© 2015 EV3Lessons.com, Last edit 12/19/2015</a:t>
             </a:r>
             <a:endParaRPr lang="en-US"/>
           </a:p>
@@ -11160,8 +10655,8 @@
           <a:lstStyle/>
           <a:p>
             <a:r>
-              <a:rPr lang="en-US" smtClean="0"/>
-              <a:t>© 2015 EV3Lessons.com, Last edit 4/5/2015</a:t>
+              <a:rPr lang="sk-SK" smtClean="0"/>
+              <a:t>© 2015 EV3Lessons.com, Last edit 12/19/2015</a:t>
             </a:r>
             <a:endParaRPr lang="en-US"/>
           </a:p>
@@ -11421,15 +10916,7 @@
             </a:pPr>
             <a:r>
               <a:rPr lang="nl-NL" dirty="0" smtClean="0"/>
-              <a:t>Bij een proportionele lijnvolger zal de robot </a:t>
-            </a:r>
-            <a:r>
-              <a:rPr lang="nl-NL" dirty="0" smtClean="0"/>
-              <a:t>aanpassen </a:t>
-            </a:r>
-            <a:r>
-              <a:rPr lang="nl-NL" dirty="0" smtClean="0"/>
-              <a:t>hoe scherp zijn draai is op basis van hoe ver hij van de lijn verwijderd is</a:t>
+              <a:t>Bij een proportionele lijnvolger zal de robot aanpassen hoe scherp zijn draai is op basis van hoe ver hij van de lijn verwijderd is</a:t>
             </a:r>
           </a:p>
           <a:p>
@@ -11567,31 +11054,7 @@
               <a:rPr lang="nl-NL" dirty="0" smtClean="0">
                 <a:sym typeface="Wingdings"/>
               </a:rPr>
-              <a:t> de robot onderneemt een actie </a:t>
-            </a:r>
-            <a:r>
-              <a:rPr lang="nl-NL" dirty="0" smtClean="0">
-                <a:sym typeface="Wingdings"/>
-              </a:rPr>
-              <a:t>die </a:t>
-            </a:r>
-            <a:r>
-              <a:rPr lang="nl-NL" dirty="0" smtClean="0">
-                <a:sym typeface="Wingdings"/>
-              </a:rPr>
-              <a:t>proportioneel is </a:t>
-            </a:r>
-            <a:r>
-              <a:rPr lang="nl-NL" dirty="0" smtClean="0">
-                <a:sym typeface="Wingdings"/>
-              </a:rPr>
-              <a:t>met </a:t>
-            </a:r>
-            <a:r>
-              <a:rPr lang="nl-NL" dirty="0" smtClean="0">
-                <a:sym typeface="Wingdings"/>
-              </a:rPr>
-              <a:t>de fout (daarom heet dit </a:t>
+              <a:t> de robot onderneemt een actie die proportioneel is met de fout (daarom heet dit </a:t>
             </a:r>
             <a:r>
               <a:rPr lang="nl-NL" dirty="0" smtClean="0">
@@ -11652,8 +11115,8 @@
           <a:lstStyle/>
           <a:p>
             <a:r>
-              <a:rPr lang="en-US" smtClean="0"/>
-              <a:t>© 2015 EV3Lessons.com, Last edit 4/5/2015</a:t>
+              <a:rPr lang="sk-SK" smtClean="0"/>
+              <a:t>© 2015 EV3Lessons.com, Last edit 12/19/2015</a:t>
             </a:r>
             <a:endParaRPr lang="en-US"/>
           </a:p>
@@ -11809,20 +11272,8 @@
               <a:t>proportionele besturing met de </a:t>
             </a:r>
             <a:r>
-              <a:rPr lang="nl-NL" dirty="0" err="1" smtClean="0"/>
-              <a:t>ultrasoon-sensor</a:t>
-            </a:r>
-            <a:r>
               <a:rPr lang="nl-NL" dirty="0" smtClean="0"/>
-              <a:t> om de robot </a:t>
-            </a:r>
-            <a:r>
-              <a:rPr lang="nl-NL" smtClean="0"/>
-              <a:t>constant 7cm </a:t>
-            </a:r>
-            <a:r>
-              <a:rPr lang="nl-NL" dirty="0" smtClean="0"/>
-              <a:t>van een persoon te laten (zelfs als dat persoon beweegt)</a:t>
+              <a:t>ultrasoon-sensor om de robot constant 7cm van een persoon te laten (zelfs als dat persoon beweegt)</a:t>
             </a:r>
           </a:p>
           <a:p>
@@ -11860,38 +11311,6 @@
               <a:t>vloeiend een lijn te laten volgen. (Verdere details in the Proportionele Lijnvolger les)</a:t>
             </a:r>
           </a:p>
-          <a:p>
-            <a:pPr lvl="1"/>
-            <a:r>
-              <a:rPr lang="nl-NL" dirty="0" err="1" smtClean="0"/>
-              <a:t>Gyro</a:t>
-            </a:r>
-            <a:r>
-              <a:rPr lang="nl-NL" dirty="0" smtClean="0"/>
-              <a:t> Bocht: Gebruik </a:t>
-            </a:r>
-            <a:r>
-              <a:rPr lang="nl-NL" dirty="0" smtClean="0">
-                <a:solidFill>
-                  <a:schemeClr val="tx1"/>
-                </a:solidFill>
-              </a:rPr>
-              <a:t>proportionele besturing en de</a:t>
-            </a:r>
-            <a:r>
-              <a:rPr lang="nl-NL" dirty="0" smtClean="0"/>
-              <a:t> </a:t>
-            </a:r>
-            <a:r>
-              <a:rPr lang="nl-NL" dirty="0" err="1" smtClean="0"/>
-              <a:t>gyro-sensor</a:t>
-            </a:r>
-            <a:r>
-              <a:rPr lang="nl-NL" dirty="0" smtClean="0"/>
-              <a:t> om de robot met precisie naar een doelhoek te draaien</a:t>
-            </a:r>
-            <a:endParaRPr lang="nl-NL" b="0" dirty="0" smtClean="0"/>
-          </a:p>
         </p:txBody>
       </p:sp>
       <p:sp>
@@ -11910,8 +11329,8 @@
           <a:lstStyle/>
           <a:p>
             <a:r>
-              <a:rPr lang="en-US" smtClean="0"/>
-              <a:t>© 2015 EV3Lessons.com, Last edit 4/5/2015</a:t>
+              <a:rPr lang="sk-SK" smtClean="0"/>
+              <a:t>© 2015 EV3Lessons.com, Last edit 12/19/2015</a:t>
             </a:r>
             <a:endParaRPr lang="en-US"/>
           </a:p>
@@ -12025,8 +11444,8 @@
           <a:lstStyle/>
           <a:p>
             <a:r>
-              <a:rPr lang="en-US" smtClean="0"/>
-              <a:t>© 2015 EV3Lessons.com, Last edit 4/5/2015</a:t>
+              <a:rPr lang="sk-SK" smtClean="0"/>
+              <a:t>© 2015 EV3Lessons.com, Last edit 12/19/2015</a:t>
             </a:r>
             <a:endParaRPr lang="en-US" dirty="0"/>
           </a:p>
@@ -12041,14 +11460,14 @@
           <p:nvPr>
             <p:extLst>
               <p:ext uri="{D42A27DB-BD31-4B8C-83A1-F6EECF244321}">
-                <p14:modId xmlns:p14="http://schemas.microsoft.com/office/powerpoint/2010/main" val="1001598376"/>
+                <p14:modId xmlns:p14="http://schemas.microsoft.com/office/powerpoint/2010/main" val="701952744"/>
               </p:ext>
             </p:extLst>
           </p:nvPr>
         </p:nvGraphicFramePr>
         <p:xfrm>
           <a:off x="602341" y="2087843"/>
-          <a:ext cx="7870372" cy="4485640"/>
+          <a:ext cx="7870372" cy="3296920"/>
         </p:xfrm>
         <a:graphic>
           <a:graphicData uri="http://schemas.openxmlformats.org/drawingml/2006/table">
@@ -12184,11 +11603,7 @@
                       </a:r>
                       <a:r>
                         <a:rPr lang="nl-NL" baseline="0" noProof="0" dirty="0" smtClean="0"/>
-                        <a:t> afstand tot </a:t>
-                      </a:r>
-                      <a:r>
-                        <a:rPr lang="nl-NL" baseline="0" noProof="0" dirty="0" smtClean="0"/>
-                        <a:t>het doel </a:t>
+                        <a:t> afstand tot het doel </a:t>
                       </a:r>
                       <a:r>
                         <a:rPr lang="nl-NL" noProof="0" dirty="0" smtClean="0"/>
@@ -12323,88 +11738,6 @@
                   <a:tcPr/>
                 </a:tc>
               </a:tr>
-              <a:tr h="370840">
-                <a:tc>
-                  <a:txBody>
-                    <a:bodyPr/>
-                    <a:lstStyle/>
-                    <a:p>
-                      <a:r>
-                        <a:rPr lang="nl-NL" b="1" noProof="0" dirty="0" err="1" smtClean="0"/>
-                        <a:t>Gyro</a:t>
-                      </a:r>
-                      <a:r>
-                        <a:rPr lang="nl-NL" b="1" baseline="0" noProof="0" dirty="0" smtClean="0"/>
-                        <a:t> Bocht</a:t>
-                      </a:r>
-                      <a:endParaRPr lang="nl-NL" b="1" noProof="0" dirty="0"/>
-                    </a:p>
-                  </a:txBody>
-                  <a:tcPr/>
-                </a:tc>
-                <a:tc>
-                  <a:txBody>
-                    <a:bodyPr/>
-                    <a:lstStyle/>
-                    <a:p>
-                      <a:r>
-                        <a:rPr lang="nl-NL" noProof="0" dirty="0" smtClean="0"/>
-                        <a:t>Draai</a:t>
-                      </a:r>
-                      <a:r>
-                        <a:rPr lang="nl-NL" baseline="0" noProof="0" dirty="0" smtClean="0"/>
-                        <a:t> tot de </a:t>
-                      </a:r>
-                      <a:r>
-                        <a:rPr lang="nl-NL" baseline="0" noProof="0" dirty="0" err="1" smtClean="0"/>
-                        <a:t>doel-hoek</a:t>
-                      </a:r>
-                      <a:endParaRPr lang="nl-NL" noProof="0" dirty="0"/>
-                    </a:p>
-                  </a:txBody>
-                  <a:tcPr/>
-                </a:tc>
-                <a:tc>
-                  <a:txBody>
-                    <a:bodyPr/>
-                    <a:lstStyle/>
-                    <a:p>
-                      <a:r>
-                        <a:rPr lang="nl-NL" noProof="0" dirty="0" smtClean="0"/>
-                        <a:t>Hoeveel graden</a:t>
-                      </a:r>
-                      <a:r>
-                        <a:rPr lang="nl-NL" baseline="0" noProof="0" dirty="0" smtClean="0"/>
-                        <a:t> tot de </a:t>
-                      </a:r>
-                      <a:r>
-                        <a:rPr lang="nl-NL" baseline="0" noProof="0" dirty="0" err="1" smtClean="0"/>
-                        <a:t>doel-hoek</a:t>
-                      </a:r>
-                      <a:endParaRPr lang="nl-NL" noProof="0" dirty="0"/>
-                    </a:p>
-                  </a:txBody>
-                  <a:tcPr/>
-                </a:tc>
-                <a:tc>
-                  <a:txBody>
-                    <a:bodyPr/>
-                    <a:lstStyle/>
-                    <a:p>
-                      <a:r>
-                        <a:rPr lang="nl-NL" noProof="0" dirty="0" smtClean="0"/>
-                        <a:t>Snelheid van de draai op basis van overblijvende</a:t>
-                      </a:r>
-                      <a:r>
-                        <a:rPr lang="nl-NL" baseline="0" noProof="0" dirty="0" smtClean="0"/>
-                        <a:t> aantal graden te draaien</a:t>
-                      </a:r>
-                      <a:endParaRPr lang="nl-NL" noProof="0" dirty="0"/>
-                    </a:p>
-                  </a:txBody>
-                  <a:tcPr/>
-                </a:tc>
-              </a:tr>
             </a:tbl>
           </a:graphicData>
         </a:graphic>
@@ -12541,8 +11874,8 @@
           <a:lstStyle/>
           <a:p>
             <a:r>
-              <a:rPr lang="en-US" smtClean="0"/>
-              <a:t>© 2015 EV3Lessons.com, Last edit 4/5/2015</a:t>
+              <a:rPr lang="sk-SK" smtClean="0"/>
+              <a:t>© 2015 EV3Lessons.com, Last edit 12/19/2015</a:t>
             </a:r>
             <a:endParaRPr lang="en-US" dirty="0"/>
           </a:p>
@@ -12692,8 +12025,8 @@
           <a:lstStyle/>
           <a:p>
             <a:r>
-              <a:rPr lang="en-US" smtClean="0"/>
-              <a:t>© 2015 EV3Lessons.com, Last edit 4/5/2015</a:t>
+              <a:rPr lang="sk-SK" smtClean="0"/>
+              <a:t>© 2015 EV3Lessons.com, Last edit 12/19/2015</a:t>
             </a:r>
             <a:endParaRPr lang="en-US" dirty="0"/>
           </a:p>
@@ -12784,55 +12117,143 @@
           <a:chExt cx="0" cy="0"/>
         </a:xfrm>
       </p:grpSpPr>
-      <p:pic>
-        <p:nvPicPr>
-          <p:cNvPr id="11" name="Content Placeholder 10" descr="Screen Shot 2015-07-17 at 21.54.37.png"/>
-          <p:cNvPicPr>
-            <a:picLocks noGrp="1" noChangeAspect="1"/>
-          </p:cNvPicPr>
+      <p:sp>
+        <p:nvSpPr>
+          <p:cNvPr id="2" name="Title 1"/>
+          <p:cNvSpPr>
+            <a:spLocks noGrp="1"/>
+          </p:cNvSpPr>
+          <p:nvPr>
+            <p:ph type="title"/>
+          </p:nvPr>
+        </p:nvSpPr>
+        <p:spPr/>
+        <p:txBody>
+          <a:bodyPr/>
+          <a:lstStyle/>
+          <a:p>
+            <a:r>
+              <a:rPr lang="en-US" dirty="0" err="1" smtClean="0"/>
+              <a:t>Discussiepunten</a:t>
+            </a:r>
+            <a:endParaRPr lang="en-US" dirty="0"/>
+          </a:p>
+        </p:txBody>
+      </p:sp>
+      <p:sp>
+        <p:nvSpPr>
+          <p:cNvPr id="3" name="Content Placeholder 2"/>
+          <p:cNvSpPr>
+            <a:spLocks noGrp="1"/>
+          </p:cNvSpPr>
           <p:nvPr>
             <p:ph idx="1"/>
           </p:nvPr>
-        </p:nvPicPr>
-        <p:blipFill>
-          <a:blip r:embed="rId2"/>
-          <a:stretch>
-            <a:fillRect/>
-          </a:stretch>
-        </p:blipFill>
+        </p:nvSpPr>
         <p:spPr>
           <a:xfrm>
-            <a:off x="2023320" y="1762776"/>
-            <a:ext cx="6530634" cy="4363388"/>
+            <a:off x="508001" y="2133600"/>
+            <a:ext cx="8350250" cy="3992563"/>
           </a:xfrm>
         </p:spPr>
-      </p:pic>
-      <p:sp>
-        <p:nvSpPr>
-          <p:cNvPr id="2" name="Title 1"/>
-          <p:cNvSpPr>
-            <a:spLocks noGrp="1"/>
-          </p:cNvSpPr>
-          <p:nvPr>
-            <p:ph type="title"/>
-          </p:nvPr>
-        </p:nvSpPr>
-        <p:spPr>
-          <a:noFill/>
-        </p:spPr>
         <p:txBody>
           <a:bodyPr/>
           <a:lstStyle/>
           <a:p>
-            <a:r>
-              <a:rPr lang="en-US" dirty="0" err="1" smtClean="0"/>
-              <a:t>Oplossing</a:t>
-            </a:r>
-            <a:r>
-              <a:rPr lang="en-US" dirty="0" smtClean="0"/>
-              <a:t>: Linker Gyr0-Bocht </a:t>
-            </a:r>
-            <a:endParaRPr lang="en-US" dirty="0"/>
+            <a:pPr marL="457200" indent="-457200">
+              <a:buFont typeface="+mj-lt"/>
+              <a:buAutoNum type="arabicPeriod"/>
+            </a:pPr>
+            <a:r>
+              <a:rPr lang="nl-NL" dirty="0" smtClean="0">
+                <a:solidFill>
+                  <a:srgbClr val="FF0000"/>
+                </a:solidFill>
+              </a:rPr>
+              <a:t>Wat betekent “proportionele besturing” ?</a:t>
+            </a:r>
+            <a:br>
+              <a:rPr lang="nl-NL" dirty="0" smtClean="0">
+                <a:solidFill>
+                  <a:srgbClr val="FF0000"/>
+                </a:solidFill>
+              </a:rPr>
+            </a:br>
+            <a:r>
+              <a:rPr lang="nl-NL" dirty="0" err="1" smtClean="0">
+                <a:solidFill>
+                  <a:srgbClr val="0000FF"/>
+                </a:solidFill>
+              </a:rPr>
+              <a:t>Antw</a:t>
+            </a:r>
+            <a:r>
+              <a:rPr lang="nl-NL" dirty="0" smtClean="0">
+                <a:solidFill>
+                  <a:srgbClr val="0000FF"/>
+                </a:solidFill>
+              </a:rPr>
+              <a:t>: </a:t>
+            </a:r>
+            <a:r>
+              <a:rPr lang="nl-NL" dirty="0" smtClean="0"/>
+              <a:t>Meer of minder bewegen op basis van hoever de robot vanaf een bepaald punt verwijderd is</a:t>
+            </a:r>
+          </a:p>
+          <a:p>
+            <a:pPr marL="457200" indent="-457200">
+              <a:buFont typeface="+mj-lt"/>
+              <a:buAutoNum type="arabicPeriod"/>
+            </a:pPr>
+            <a:r>
+              <a:rPr lang="nl-NL" dirty="0" smtClean="0">
+                <a:solidFill>
+                  <a:srgbClr val="FF0000"/>
+                </a:solidFill>
+              </a:rPr>
+              <a:t>Wat is een overeenkomst bij alle proportionele-besturings-code?</a:t>
+            </a:r>
+            <a:br>
+              <a:rPr lang="nl-NL" dirty="0" smtClean="0">
+                <a:solidFill>
+                  <a:srgbClr val="FF0000"/>
+                </a:solidFill>
+              </a:rPr>
+            </a:br>
+            <a:r>
+              <a:rPr lang="nl-NL" dirty="0" err="1" smtClean="0">
+                <a:solidFill>
+                  <a:srgbClr val="0000FF"/>
+                </a:solidFill>
+              </a:rPr>
+              <a:t>Antw</a:t>
+            </a:r>
+            <a:r>
+              <a:rPr lang="nl-NL" dirty="0" smtClean="0">
+                <a:solidFill>
+                  <a:srgbClr val="0000FF"/>
+                </a:solidFill>
+              </a:rPr>
+              <a:t>: </a:t>
+            </a:r>
+            <a:r>
+              <a:rPr lang="nl-NL" dirty="0" smtClean="0"/>
+              <a:t>Het berekenen van de fout and en de verbetering daarvan</a:t>
+            </a:r>
+          </a:p>
+          <a:p>
+            <a:pPr marL="457200" indent="-457200">
+              <a:buFont typeface="+mj-lt"/>
+              <a:buAutoNum type="arabicPeriod"/>
+            </a:pPr>
+            <a:endParaRPr lang="nl-NL" dirty="0" smtClean="0">
+              <a:solidFill>
+                <a:srgbClr val="0000FF"/>
+              </a:solidFill>
+            </a:endParaRPr>
+          </a:p>
+          <a:p>
+            <a:endParaRPr lang="nl-NL" dirty="0"/>
           </a:p>
         </p:txBody>
       </p:sp>
@@ -12852,8 +12273,8 @@
           <a:lstStyle/>
           <a:p>
             <a:r>
-              <a:rPr lang="en-US" smtClean="0"/>
-              <a:t>© 2015 EV3Lessons.com, Last edit 4/5/2015</a:t>
+              <a:rPr lang="sk-SK" smtClean="0"/>
+              <a:t>© 2015 EV3Lessons.com, Last edit 12/19/2015</a:t>
             </a:r>
             <a:endParaRPr lang="en-US"/>
           </a:p>
@@ -12883,347 +12304,10 @@
           </a:p>
         </p:txBody>
       </p:sp>
-      <p:sp>
-        <p:nvSpPr>
-          <p:cNvPr id="6" name="Content Placeholder 2"/>
-          <p:cNvSpPr txBox="1">
-            <a:spLocks/>
-          </p:cNvSpPr>
-          <p:nvPr/>
-        </p:nvSpPr>
-        <p:spPr>
-          <a:xfrm>
-            <a:off x="199698" y="4355248"/>
-            <a:ext cx="2600716" cy="2081784"/>
-          </a:xfrm>
-          <a:prstGeom prst="rect">
-            <a:avLst/>
-          </a:prstGeom>
-          <a:solidFill>
-            <a:srgbClr val="92D050"/>
-          </a:solidFill>
-        </p:spPr>
-        <p:txBody>
-          <a:bodyPr vert="horz" lIns="91440" tIns="45720" rIns="91440" bIns="45720" rtlCol="0">
-            <a:noAutofit/>
-          </a:bodyPr>
-          <a:lstStyle>
-            <a:lvl1pPr marL="454025" indent="-454025" algn="l" defTabSz="914400" rtl="0" eaLnBrk="1" latinLnBrk="0" hangingPunct="1">
-              <a:spcBef>
-                <a:spcPts val="2000"/>
-              </a:spcBef>
-              <a:buClr>
-                <a:schemeClr val="bg1">
-                  <a:lumMod val="65000"/>
-                </a:schemeClr>
-              </a:buClr>
-              <a:buSzPct val="90000"/>
-              <a:buFont typeface="Wingdings" pitchFamily="2" charset="2"/>
-              <a:buChar char=""/>
-              <a:defRPr sz="2400" kern="1200">
-                <a:solidFill>
-                  <a:schemeClr val="tx1">
-                    <a:lumMod val="85000"/>
-                    <a:lumOff val="15000"/>
-                  </a:schemeClr>
-                </a:solidFill>
-                <a:latin typeface="+mn-lt"/>
-                <a:ea typeface="+mn-ea"/>
-                <a:cs typeface="+mn-cs"/>
-              </a:defRPr>
-            </a:lvl1pPr>
-            <a:lvl2pPr marL="914400" indent="-457200" algn="l" defTabSz="914400" rtl="0" eaLnBrk="1" latinLnBrk="0" hangingPunct="1">
-              <a:spcBef>
-                <a:spcPts val="600"/>
-              </a:spcBef>
-              <a:buClr>
-                <a:schemeClr val="tx1">
-                  <a:lumMod val="75000"/>
-                  <a:lumOff val="25000"/>
-                </a:schemeClr>
-              </a:buClr>
-              <a:buSzPct val="90000"/>
-              <a:buFont typeface="Wingdings" pitchFamily="2" charset="2"/>
-              <a:buChar char=""/>
-              <a:defRPr sz="2200" kern="1200">
-                <a:solidFill>
-                  <a:schemeClr val="tx1">
-                    <a:lumMod val="85000"/>
-                    <a:lumOff val="15000"/>
-                  </a:schemeClr>
-                </a:solidFill>
-                <a:latin typeface="+mn-lt"/>
-                <a:ea typeface="+mn-ea"/>
-                <a:cs typeface="+mn-cs"/>
-              </a:defRPr>
-            </a:lvl2pPr>
-            <a:lvl3pPr marL="1260475" indent="-346075" algn="l" defTabSz="914400" rtl="0" eaLnBrk="1" latinLnBrk="0" hangingPunct="1">
-              <a:spcBef>
-                <a:spcPts val="600"/>
-              </a:spcBef>
-              <a:buClr>
-                <a:schemeClr val="bg1">
-                  <a:lumMod val="65000"/>
-                </a:schemeClr>
-              </a:buClr>
-              <a:buSzPct val="90000"/>
-              <a:buFont typeface="Wingdings" pitchFamily="2" charset="2"/>
-              <a:buChar char=""/>
-              <a:defRPr sz="2000" kern="1200">
-                <a:solidFill>
-                  <a:schemeClr val="tx1">
-                    <a:lumMod val="85000"/>
-                    <a:lumOff val="15000"/>
-                  </a:schemeClr>
-                </a:solidFill>
-                <a:latin typeface="+mn-lt"/>
-                <a:ea typeface="+mn-ea"/>
-                <a:cs typeface="+mn-cs"/>
-              </a:defRPr>
-            </a:lvl3pPr>
-            <a:lvl4pPr marL="1600200" indent="-339725" algn="l" defTabSz="914400" rtl="0" eaLnBrk="1" latinLnBrk="0" hangingPunct="1">
-              <a:spcBef>
-                <a:spcPts val="600"/>
-              </a:spcBef>
-              <a:buClr>
-                <a:schemeClr val="tx1">
-                  <a:lumMod val="75000"/>
-                  <a:lumOff val="25000"/>
-                </a:schemeClr>
-              </a:buClr>
-              <a:buSzPct val="90000"/>
-              <a:buFont typeface="Wingdings" pitchFamily="2" charset="2"/>
-              <a:buChar char=""/>
-              <a:defRPr sz="1800" kern="1200">
-                <a:solidFill>
-                  <a:schemeClr val="tx1">
-                    <a:lumMod val="85000"/>
-                    <a:lumOff val="15000"/>
-                  </a:schemeClr>
-                </a:solidFill>
-                <a:latin typeface="+mn-lt"/>
-                <a:ea typeface="+mn-ea"/>
-                <a:cs typeface="+mn-cs"/>
-              </a:defRPr>
-            </a:lvl4pPr>
-            <a:lvl5pPr marL="1939925" indent="-331788" algn="l" defTabSz="914400" rtl="0" eaLnBrk="1" latinLnBrk="0" hangingPunct="1">
-              <a:spcBef>
-                <a:spcPts val="600"/>
-              </a:spcBef>
-              <a:buClr>
-                <a:schemeClr val="bg1">
-                  <a:lumMod val="65000"/>
-                </a:schemeClr>
-              </a:buClr>
-              <a:buSzPct val="90000"/>
-              <a:buFont typeface="Wingdings" pitchFamily="2" charset="2"/>
-              <a:buChar char=""/>
-              <a:defRPr sz="1800" kern="1200">
-                <a:solidFill>
-                  <a:schemeClr val="tx1">
-                    <a:lumMod val="85000"/>
-                    <a:lumOff val="15000"/>
-                  </a:schemeClr>
-                </a:solidFill>
-                <a:latin typeface="+mn-lt"/>
-                <a:ea typeface="+mn-ea"/>
-                <a:cs typeface="+mn-cs"/>
-              </a:defRPr>
-            </a:lvl5pPr>
-            <a:lvl6pPr marL="2290763" indent="-344488" algn="l" defTabSz="914400" rtl="0" eaLnBrk="1" latinLnBrk="0" hangingPunct="1">
-              <a:spcBef>
-                <a:spcPts val="600"/>
-              </a:spcBef>
-              <a:buClr>
-                <a:schemeClr val="tx1">
-                  <a:lumMod val="75000"/>
-                  <a:lumOff val="25000"/>
-                </a:schemeClr>
-              </a:buClr>
-              <a:buSzPct val="90000"/>
-              <a:buFont typeface="Wingdings" pitchFamily="2" charset="2"/>
-              <a:buChar char=""/>
-              <a:defRPr lang="en-US" sz="1800" kern="1200" dirty="0" smtClean="0">
-                <a:solidFill>
-                  <a:schemeClr val="tx1">
-                    <a:lumMod val="85000"/>
-                    <a:lumOff val="15000"/>
-                  </a:schemeClr>
-                </a:solidFill>
-                <a:latin typeface="+mn-lt"/>
-                <a:ea typeface="+mn-ea"/>
-                <a:cs typeface="+mn-cs"/>
-              </a:defRPr>
-            </a:lvl6pPr>
-            <a:lvl7pPr marL="2625725" indent="-344488" algn="l" defTabSz="914400" rtl="0" eaLnBrk="1" latinLnBrk="0" hangingPunct="1">
-              <a:spcBef>
-                <a:spcPts val="600"/>
-              </a:spcBef>
-              <a:buClr>
-                <a:schemeClr val="bg1">
-                  <a:lumMod val="65000"/>
-                </a:schemeClr>
-              </a:buClr>
-              <a:buSzPct val="90000"/>
-              <a:buFont typeface="Wingdings" pitchFamily="2" charset="2"/>
-              <a:buChar char=""/>
-              <a:defRPr lang="en-US" sz="1800" kern="1200" dirty="0" smtClean="0">
-                <a:solidFill>
-                  <a:schemeClr val="tx1">
-                    <a:lumMod val="85000"/>
-                    <a:lumOff val="15000"/>
-                  </a:schemeClr>
-                </a:solidFill>
-                <a:latin typeface="+mn-lt"/>
-                <a:ea typeface="+mn-ea"/>
-                <a:cs typeface="+mn-cs"/>
-              </a:defRPr>
-            </a:lvl7pPr>
-            <a:lvl8pPr marL="2970213" indent="-344488" algn="l" defTabSz="914400" rtl="0" eaLnBrk="1" latinLnBrk="0" hangingPunct="1">
-              <a:spcBef>
-                <a:spcPts val="600"/>
-              </a:spcBef>
-              <a:buClr>
-                <a:schemeClr val="tx1">
-                  <a:lumMod val="75000"/>
-                  <a:lumOff val="25000"/>
-                </a:schemeClr>
-              </a:buClr>
-              <a:buSzPct val="90000"/>
-              <a:buFont typeface="Wingdings" pitchFamily="2" charset="2"/>
-              <a:buChar char=""/>
-              <a:defRPr lang="en-US" sz="1800" kern="1200" dirty="0" smtClean="0">
-                <a:solidFill>
-                  <a:schemeClr val="tx1">
-                    <a:lumMod val="85000"/>
-                    <a:lumOff val="15000"/>
-                  </a:schemeClr>
-                </a:solidFill>
-                <a:latin typeface="+mn-lt"/>
-                <a:ea typeface="+mn-ea"/>
-                <a:cs typeface="+mn-cs"/>
-              </a:defRPr>
-            </a:lvl8pPr>
-            <a:lvl9pPr marL="3313113" indent="-344488" algn="l" defTabSz="914400" rtl="0" eaLnBrk="1" latinLnBrk="0" hangingPunct="1">
-              <a:spcBef>
-                <a:spcPts val="600"/>
-              </a:spcBef>
-              <a:buClr>
-                <a:schemeClr val="bg1">
-                  <a:lumMod val="65000"/>
-                </a:schemeClr>
-              </a:buClr>
-              <a:buSzPct val="90000"/>
-              <a:buFont typeface="Wingdings" pitchFamily="2" charset="2"/>
-              <a:buChar char=""/>
-              <a:defRPr lang="en-US" sz="1800" kern="1200" dirty="0">
-                <a:solidFill>
-                  <a:schemeClr val="tx1">
-                    <a:lumMod val="85000"/>
-                    <a:lumOff val="15000"/>
-                  </a:schemeClr>
-                </a:solidFill>
-                <a:latin typeface="+mn-lt"/>
-                <a:ea typeface="+mn-ea"/>
-                <a:cs typeface="+mn-cs"/>
-              </a:defRPr>
-            </a:lvl9pPr>
-          </a:lstStyle>
-          <a:p>
-            <a:pPr marL="0" indent="0">
-              <a:buFont typeface="Wingdings" pitchFamily="2" charset="2"/>
-              <a:buNone/>
-            </a:pPr>
-            <a:r>
-              <a:rPr lang="nl-NL" sz="1100" dirty="0" smtClean="0">
-                <a:solidFill>
-                  <a:srgbClr val="FF0000"/>
-                </a:solidFill>
-              </a:rPr>
-              <a:t>Wat is er aan de hand met het </a:t>
-            </a:r>
-            <a:r>
-              <a:rPr lang="nl-NL" sz="1100" dirty="0" err="1" smtClean="0">
-                <a:solidFill>
-                  <a:srgbClr val="FF0000"/>
-                </a:solidFill>
-              </a:rPr>
-              <a:t>Reken-Blok</a:t>
-            </a:r>
-            <a:r>
-              <a:rPr lang="nl-NL" sz="1100" dirty="0" smtClean="0">
-                <a:solidFill>
-                  <a:srgbClr val="FF0000"/>
-                </a:solidFill>
-              </a:rPr>
-              <a:t> in de linker bocht?  Je berekent altijd (DOEL) MIN (HUIDIGE-WAARDE). Dus waarom een SOM/OPTEL/PLUS </a:t>
-            </a:r>
-            <a:r>
-              <a:rPr lang="nl-NL" sz="1100" dirty="0" err="1" smtClean="0">
-                <a:solidFill>
-                  <a:srgbClr val="FF0000"/>
-                </a:solidFill>
-              </a:rPr>
-              <a:t>Reken-Blok</a:t>
-            </a:r>
-            <a:r>
-              <a:rPr lang="nl-NL" sz="1100" dirty="0" smtClean="0">
-                <a:solidFill>
-                  <a:srgbClr val="FF0000"/>
-                </a:solidFill>
-              </a:rPr>
-              <a:t>?  Als je naar links draait, zal de </a:t>
-            </a:r>
-            <a:r>
-              <a:rPr lang="nl-NL" sz="1100" dirty="0" err="1" smtClean="0">
-                <a:solidFill>
-                  <a:srgbClr val="FF0000"/>
-                </a:solidFill>
-              </a:rPr>
-              <a:t>gyro-sensor</a:t>
-            </a:r>
-            <a:r>
-              <a:rPr lang="nl-NL" sz="1100" dirty="0" smtClean="0">
-                <a:solidFill>
-                  <a:srgbClr val="FF0000"/>
-                </a:solidFill>
-              </a:rPr>
-              <a:t> negatieve waardes geven. Door wiskunde weten we dat het optellen van een negatief getal hetzelfde is als het aftrekken van hetzelfde getal, maar dan positief. Dat is dus waarom we een Optellen </a:t>
-            </a:r>
-            <a:r>
-              <a:rPr lang="nl-NL" sz="1100" dirty="0" err="1" smtClean="0">
-                <a:solidFill>
-                  <a:srgbClr val="FF0000"/>
-                </a:solidFill>
-              </a:rPr>
-              <a:t>Reken-Blok</a:t>
-            </a:r>
-            <a:r>
-              <a:rPr lang="nl-NL" sz="1100" dirty="0" smtClean="0">
-                <a:solidFill>
-                  <a:srgbClr val="FF0000"/>
-                </a:solidFill>
-              </a:rPr>
-              <a:t> gebruiken om de fout te berekenen.</a:t>
-            </a:r>
-          </a:p>
-          <a:p>
-            <a:pPr marL="0" indent="0">
-              <a:buFont typeface="Wingdings" pitchFamily="2" charset="2"/>
-              <a:buNone/>
-            </a:pPr>
-            <a:endParaRPr lang="nl-NL" sz="1100" dirty="0">
-              <a:solidFill>
-                <a:srgbClr val="FF0000"/>
-              </a:solidFill>
-            </a:endParaRPr>
-          </a:p>
-        </p:txBody>
-      </p:sp>
     </p:spTree>
     <p:extLst>
       <p:ext uri="{BB962C8B-B14F-4D97-AF65-F5344CB8AC3E}">
-        <p14:creationId xmlns:p14="http://schemas.microsoft.com/office/powerpoint/2010/main" val="3838014035"/>
+        <p14:creationId xmlns:p14="http://schemas.microsoft.com/office/powerpoint/2010/main" val="1547944288"/>
       </p:ext>
     </p:extLst>
   </p:cSld>
